--- a/tosca-account-demo.pptx
+++ b/tosca-account-demo.pptx
@@ -5,14 +5,17 @@
     <p:sldMasterId id="2147483680" r:id="rId1"/>
   </p:sldMasterIdLst>
   <p:notesMasterIdLst>
-    <p:notesMasterId r:id="rId4"/>
+    <p:notesMasterId r:id="rId7"/>
   </p:notesMasterIdLst>
   <p:handoutMasterIdLst>
-    <p:handoutMasterId r:id="rId5"/>
+    <p:handoutMasterId r:id="rId8"/>
   </p:handoutMasterIdLst>
   <p:sldIdLst>
     <p:sldId id="256" r:id="rId2"/>
     <p:sldId id="257" r:id="rId3"/>
+    <p:sldId id="258" r:id="rId4"/>
+    <p:sldId id="259" r:id="rId5"/>
+    <p:sldId id="260" r:id="rId6"/>
   </p:sldIdLst>
   <p:sldSz cx="9144000" cy="6858000" type="screen4x3"/>
   <p:notesSz cx="7099300" cy="10234613"/>
@@ -837,6 +840,176 @@
 </p:notes>
 </file>
 
+<file path=ppt/notesSlides/notesSlide3.xml><?xml version="1.0" encoding="utf-8"?>
+<p:notes xmlns:a="http://schemas.openxmlformats.org/drawingml/2006/main" xmlns:r="http://schemas.openxmlformats.org/officeDocument/2006/relationships" xmlns:p="http://schemas.openxmlformats.org/presentationml/2006/main">
+  <p:cSld>
+    <p:spTree>
+      <p:nvGrpSpPr>
+        <p:cNvPr id="1" name=""/>
+        <p:cNvGrpSpPr/>
+        <p:nvPr/>
+      </p:nvGrpSpPr>
+      <p:grpSpPr>
+        <a:xfrm>
+          <a:off x="0" y="0"/>
+          <a:ext cx="0" cy="0"/>
+          <a:chOff x="0" y="0"/>
+          <a:chExt cx="0" cy="0"/>
+        </a:xfrm>
+      </p:grpSpPr>
+      <p:sp>
+        <p:nvSpPr>
+          <p:cNvPr id="2" name="Slide Image Placeholder 1"/>
+          <p:cNvSpPr>
+            <a:spLocks noGrp="1" noRot="1" noChangeAspect="1"/>
+          </p:cNvSpPr>
+          <p:nvPr>
+            <p:ph type="sldImg"/>
+          </p:nvPr>
+        </p:nvSpPr>
+        <p:spPr/>
+      </p:sp>
+      <p:sp>
+        <p:nvSpPr>
+          <p:cNvPr id="3" name="Notes Placeholder 2"/>
+          <p:cNvSpPr>
+            <a:spLocks noGrp="1"/>
+          </p:cNvSpPr>
+          <p:nvPr>
+            <p:ph type="body" idx="1"/>
+          </p:nvPr>
+        </p:nvSpPr>
+        <p:spPr/>
+        <p:txBody>
+          <a:bodyPr/>
+          <a:lstStyle/>
+          <a:p>
+            <a:endParaRPr lang="en-GB" dirty="0"/>
+          </a:p>
+        </p:txBody>
+      </p:sp>
+      <p:sp>
+        <p:nvSpPr>
+          <p:cNvPr id="4" name="Slide Number Placeholder 3"/>
+          <p:cNvSpPr>
+            <a:spLocks noGrp="1"/>
+          </p:cNvSpPr>
+          <p:nvPr>
+            <p:ph type="sldNum" sz="quarter" idx="10"/>
+          </p:nvPr>
+        </p:nvSpPr>
+        <p:spPr/>
+        <p:txBody>
+          <a:bodyPr/>
+          <a:lstStyle/>
+          <a:p>
+            <a:fld id="{6F31472A-4361-F047-B153-101B1D8C2352}" type="slidenum">
+              <a:rPr lang="en-US" smtClean="0"/>
+              <a:pPr/>
+              <a:t>3</a:t>
+            </a:fld>
+            <a:endParaRPr lang="en-US" dirty="0"/>
+          </a:p>
+        </p:txBody>
+      </p:sp>
+    </p:spTree>
+    <p:extLst>
+      <p:ext uri="{BB962C8B-B14F-4D97-AF65-F5344CB8AC3E}">
+        <p14:creationId xmlns:p14="http://schemas.microsoft.com/office/powerpoint/2010/main" val="4100787787"/>
+      </p:ext>
+    </p:extLst>
+  </p:cSld>
+  <p:clrMapOvr>
+    <a:masterClrMapping/>
+  </p:clrMapOvr>
+</p:notes>
+</file>
+
+<file path=ppt/notesSlides/notesSlide4.xml><?xml version="1.0" encoding="utf-8"?>
+<p:notes xmlns:a="http://schemas.openxmlformats.org/drawingml/2006/main" xmlns:r="http://schemas.openxmlformats.org/officeDocument/2006/relationships" xmlns:p="http://schemas.openxmlformats.org/presentationml/2006/main">
+  <p:cSld>
+    <p:spTree>
+      <p:nvGrpSpPr>
+        <p:cNvPr id="1" name=""/>
+        <p:cNvGrpSpPr/>
+        <p:nvPr/>
+      </p:nvGrpSpPr>
+      <p:grpSpPr>
+        <a:xfrm>
+          <a:off x="0" y="0"/>
+          <a:ext cx="0" cy="0"/>
+          <a:chOff x="0" y="0"/>
+          <a:chExt cx="0" cy="0"/>
+        </a:xfrm>
+      </p:grpSpPr>
+      <p:sp>
+        <p:nvSpPr>
+          <p:cNvPr id="2" name="Slide Image Placeholder 1"/>
+          <p:cNvSpPr>
+            <a:spLocks noGrp="1" noRot="1" noChangeAspect="1"/>
+          </p:cNvSpPr>
+          <p:nvPr>
+            <p:ph type="sldImg"/>
+          </p:nvPr>
+        </p:nvSpPr>
+        <p:spPr/>
+      </p:sp>
+      <p:sp>
+        <p:nvSpPr>
+          <p:cNvPr id="3" name="Notes Placeholder 2"/>
+          <p:cNvSpPr>
+            <a:spLocks noGrp="1"/>
+          </p:cNvSpPr>
+          <p:nvPr>
+            <p:ph type="body" idx="1"/>
+          </p:nvPr>
+        </p:nvSpPr>
+        <p:spPr/>
+        <p:txBody>
+          <a:bodyPr/>
+          <a:lstStyle/>
+          <a:p>
+            <a:endParaRPr lang="en-GB" dirty="0"/>
+          </a:p>
+        </p:txBody>
+      </p:sp>
+      <p:sp>
+        <p:nvSpPr>
+          <p:cNvPr id="4" name="Slide Number Placeholder 3"/>
+          <p:cNvSpPr>
+            <a:spLocks noGrp="1"/>
+          </p:cNvSpPr>
+          <p:nvPr>
+            <p:ph type="sldNum" sz="quarter" idx="10"/>
+          </p:nvPr>
+        </p:nvSpPr>
+        <p:spPr/>
+        <p:txBody>
+          <a:bodyPr/>
+          <a:lstStyle/>
+          <a:p>
+            <a:fld id="{6F31472A-4361-F047-B153-101B1D8C2352}" type="slidenum">
+              <a:rPr lang="en-US" smtClean="0"/>
+              <a:pPr/>
+              <a:t>4</a:t>
+            </a:fld>
+            <a:endParaRPr lang="en-US" dirty="0"/>
+          </a:p>
+        </p:txBody>
+      </p:sp>
+    </p:spTree>
+    <p:extLst>
+      <p:ext uri="{BB962C8B-B14F-4D97-AF65-F5344CB8AC3E}">
+        <p14:creationId xmlns:p14="http://schemas.microsoft.com/office/powerpoint/2010/main" val="4086196117"/>
+      </p:ext>
+    </p:extLst>
+  </p:cSld>
+  <p:clrMapOvr>
+    <a:masterClrMapping/>
+  </p:clrMapOvr>
+</p:notes>
+</file>
+
 <file path=ppt/slideLayouts/slideLayout1.xml><?xml version="1.0" encoding="utf-8"?>
 <p:sldLayout xmlns:a="http://schemas.openxmlformats.org/drawingml/2006/main" xmlns:r="http://schemas.openxmlformats.org/officeDocument/2006/relationships" xmlns:p="http://schemas.openxmlformats.org/presentationml/2006/main" type="title" preserve="1">
   <p:cSld name="Titelfolie">
@@ -1108,7 +1281,7 @@
           <p:nvPr userDrawn="1"/>
         </p:nvPicPr>
         <mc:AlternateContent xmlns:mc="http://schemas.openxmlformats.org/markup-compatibility/2006">
-          <mc:Choice xmlns:ma="http://schemas.microsoft.com/office/mac/drawingml/2008/main" xmlns:mv="urn:schemas-microsoft-com:mac:vml" xmlns="" Requires="ma">
+          <mc:Choice xmlns="" xmlns:mv="urn:schemas-microsoft-com:mac:vml" xmlns:ma="http://schemas.microsoft.com/office/mac/drawingml/2008/main" Requires="ma">
             <p:blipFill>
               <a:blip r:embed="rId3"/>
               <a:stretch>
@@ -6889,7 +7062,7 @@
           <p:nvPr userDrawn="1"/>
         </p:nvPicPr>
         <mc:AlternateContent xmlns:mc="http://schemas.openxmlformats.org/markup-compatibility/2006">
-          <mc:Choice xmlns:ma="http://schemas.microsoft.com/office/mac/drawingml/2008/main" xmlns:mv="urn:schemas-microsoft-com:mac:vml" xmlns="" Requires="ma">
+          <mc:Choice xmlns="" xmlns:mv="urn:schemas-microsoft-com:mac:vml" xmlns:ma="http://schemas.microsoft.com/office/mac/drawingml/2008/main" Requires="ma">
             <p:blipFill>
               <a:blip r:embed="rId3"/>
               <a:stretch>
@@ -8587,7 +8760,7 @@
           <p:nvPr userDrawn="1"/>
         </p:nvPicPr>
         <mc:AlternateContent xmlns:mc="http://schemas.openxmlformats.org/markup-compatibility/2006">
-          <mc:Choice xmlns:ma="http://schemas.microsoft.com/office/mac/drawingml/2008/main" xmlns:mv="urn:schemas-microsoft-com:mac:vml" xmlns="" Requires="ma">
+          <mc:Choice xmlns="" xmlns:mv="urn:schemas-microsoft-com:mac:vml" xmlns:ma="http://schemas.microsoft.com/office/mac/drawingml/2008/main" Requires="ma">
             <p:blipFill>
               <a:blip r:embed="rId3"/>
               <a:stretch>
@@ -8819,7 +8992,7 @@
           <p:nvPr userDrawn="1"/>
         </p:nvPicPr>
         <mc:AlternateContent xmlns:mc="http://schemas.openxmlformats.org/markup-compatibility/2006">
-          <mc:Choice xmlns:ma="http://schemas.microsoft.com/office/mac/drawingml/2008/main" xmlns:mv="urn:schemas-microsoft-com:mac:vml" xmlns="" Requires="ma">
+          <mc:Choice xmlns="" xmlns:mv="urn:schemas-microsoft-com:mac:vml" xmlns:ma="http://schemas.microsoft.com/office/mac/drawingml/2008/main" Requires="ma">
             <p:blipFill>
               <a:blip r:embed="rId3"/>
               <a:stretch>
@@ -9274,7 +9447,7 @@
           <p:nvPr userDrawn="1"/>
         </p:nvPicPr>
         <mc:AlternateContent xmlns:mc="http://schemas.openxmlformats.org/markup-compatibility/2006">
-          <mc:Choice xmlns:ma="http://schemas.microsoft.com/office/mac/drawingml/2008/main" xmlns:mv="urn:schemas-microsoft-com:mac:vml" xmlns="" Requires="ma">
+          <mc:Choice xmlns="" xmlns:mv="urn:schemas-microsoft-com:mac:vml" xmlns:ma="http://schemas.microsoft.com/office/mac/drawingml/2008/main" Requires="ma">
             <p:blipFill>
               <a:blip r:embed="rId3"/>
               <a:stretch>
@@ -9735,7 +9908,7 @@
           <p:nvPr userDrawn="1"/>
         </p:nvPicPr>
         <mc:AlternateContent xmlns:mc="http://schemas.openxmlformats.org/markup-compatibility/2006">
-          <mc:Choice xmlns:ma="http://schemas.microsoft.com/office/mac/drawingml/2008/main" xmlns:mv="urn:schemas-microsoft-com:mac:vml" xmlns="" Requires="ma">
+          <mc:Choice xmlns="" xmlns:mv="urn:schemas-microsoft-com:mac:vml" xmlns:ma="http://schemas.microsoft.com/office/mac/drawingml/2008/main" Requires="ma">
             <p:blipFill>
               <a:blip r:embed="rId3"/>
               <a:stretch>
@@ -11043,7 +11216,7 @@
           <p:nvPr/>
         </p:nvPicPr>
         <mc:AlternateContent xmlns:mc="http://schemas.openxmlformats.org/markup-compatibility/2006">
-          <mc:Choice xmlns:ma="http://schemas.microsoft.com/office/mac/drawingml/2008/main" xmlns:mv="urn:schemas-microsoft-com:mac:vml" xmlns="" Requires="ma">
+          <mc:Choice xmlns="" xmlns:mv="urn:schemas-microsoft-com:mac:vml" xmlns:ma="http://schemas.microsoft.com/office/mac/drawingml/2008/main" Requires="ma">
             <p:blipFill>
               <a:blip r:embed="rId44"/>
               <a:stretch>
@@ -11523,7 +11696,6 @@
               <a:rPr lang="en-GB" dirty="0" smtClean="0"/>
               <a:t>27.02.2015</a:t>
             </a:r>
-            <a:endParaRPr lang="en-GB" dirty="0" smtClean="0"/>
           </a:p>
         </p:txBody>
       </p:sp>
@@ -11566,6 +11738,58 @@
       </p:grpSpPr>
       <p:sp>
         <p:nvSpPr>
+          <p:cNvPr id="19" name="Rounded Rectangle 18"/>
+          <p:cNvSpPr/>
+          <p:nvPr/>
+        </p:nvSpPr>
+        <p:spPr>
+          <a:xfrm>
+            <a:off x="208937" y="2718721"/>
+            <a:ext cx="8758081" cy="2585886"/>
+          </a:xfrm>
+          <a:prstGeom prst="roundRect">
+            <a:avLst/>
+          </a:prstGeom>
+          <a:solidFill>
+            <a:schemeClr val="tx2">
+              <a:lumMod val="20000"/>
+              <a:lumOff val="80000"/>
+            </a:schemeClr>
+          </a:solidFill>
+          <a:ln>
+            <a:solidFill>
+              <a:schemeClr val="tx2"/>
+            </a:solidFill>
+          </a:ln>
+        </p:spPr>
+        <p:style>
+          <a:lnRef idx="1">
+            <a:schemeClr val="accent1"/>
+          </a:lnRef>
+          <a:fillRef idx="3">
+            <a:schemeClr val="accent1"/>
+          </a:fillRef>
+          <a:effectRef idx="2">
+            <a:schemeClr val="accent1"/>
+          </a:effectRef>
+          <a:fontRef idx="minor">
+            <a:schemeClr val="lt1"/>
+          </a:fontRef>
+        </p:style>
+        <p:txBody>
+          <a:bodyPr rtlCol="0" anchor="ctr"/>
+          <a:lstStyle/>
+          <a:p>
+            <a:pPr algn="ctr"/>
+            <a:endParaRPr lang="en-GB" dirty="0" smtClean="0">
+              <a:latin typeface="Open Sans"/>
+              <a:cs typeface="Open Sans"/>
+            </a:endParaRPr>
+          </a:p>
+        </p:txBody>
+      </p:sp>
+      <p:sp>
+        <p:nvSpPr>
           <p:cNvPr id="3" name="Titel 2"/>
           <p:cNvSpPr>
             <a:spLocks noGrp="1"/>
@@ -11581,28 +11805,740 @@
           <a:p>
             <a:r>
               <a:rPr lang="en-GB" dirty="0" smtClean="0"/>
-              <a:t>What is it?</a:t>
+              <a:t>Things are stored locally</a:t>
             </a:r>
             <a:endParaRPr lang="en-GB" dirty="0"/>
           </a:p>
         </p:txBody>
       </p:sp>
-      <p:sp>
-        <p:nvSpPr>
-          <p:cNvPr id="2" name="Content Placeholder 1"/>
-          <p:cNvSpPr>
-            <a:spLocks noGrp="1"/>
-          </p:cNvSpPr>
+      <p:grpSp>
+        <p:nvGrpSpPr>
+          <p:cNvPr id="9" name="Group 8"/>
+          <p:cNvGrpSpPr/>
+          <p:nvPr/>
+        </p:nvGrpSpPr>
+        <p:grpSpPr>
+          <a:xfrm>
+            <a:off x="526279" y="3361858"/>
+            <a:ext cx="1971562" cy="1614453"/>
+            <a:chOff x="899908" y="3803121"/>
+            <a:chExt cx="1971562" cy="1614453"/>
+          </a:xfrm>
+        </p:grpSpPr>
+        <p:sp>
+          <p:nvSpPr>
+            <p:cNvPr id="4" name="Rounded Rectangle 3"/>
+            <p:cNvSpPr/>
+            <p:nvPr/>
+          </p:nvSpPr>
+          <p:spPr>
+            <a:xfrm>
+              <a:off x="899908" y="3803121"/>
+              <a:ext cx="1971562" cy="1614453"/>
+            </a:xfrm>
+            <a:prstGeom prst="roundRect">
+              <a:avLst/>
+            </a:prstGeom>
+            <a:solidFill>
+              <a:schemeClr val="tx2"/>
+            </a:solidFill>
+          </p:spPr>
+          <p:txBody>
+            <a:bodyPr wrap="square" lIns="91440" tIns="45720" rIns="91440" bIns="45720" rtlCol="0" anchor="ctr">
+              <a:spAutoFit/>
+            </a:bodyPr>
+            <a:lstStyle/>
+            <a:p>
+              <a:pPr algn="ctr"/>
+              <a:endParaRPr lang="de-AT" sz="2800" b="0" cap="none" spc="0" dirty="0" smtClean="0">
+                <a:ln w="0"/>
+                <a:gradFill>
+                  <a:gsLst>
+                    <a:gs pos="0">
+                      <a:schemeClr val="accent5">
+                        <a:lumMod val="50000"/>
+                      </a:schemeClr>
+                    </a:gs>
+                    <a:gs pos="50000">
+                      <a:schemeClr val="accent5"/>
+                    </a:gs>
+                    <a:gs pos="100000">
+                      <a:schemeClr val="accent5">
+                        <a:lumMod val="60000"/>
+                        <a:lumOff val="40000"/>
+                      </a:schemeClr>
+                    </a:gs>
+                  </a:gsLst>
+                  <a:lin ang="5400000"/>
+                </a:gradFill>
+                <a:effectLst>
+                  <a:reflection blurRad="6350" stA="53000" endA="300" endPos="35500" dir="5400000" sy="-90000" algn="bl" rotWithShape="0"/>
+                </a:effectLst>
+                <a:latin typeface="+mj-lt"/>
+              </a:endParaRPr>
+            </a:p>
+          </p:txBody>
+        </p:sp>
+        <p:pic>
+          <p:nvPicPr>
+            <p:cNvPr id="6" name="Picture 5"/>
+            <p:cNvPicPr>
+              <a:picLocks noChangeAspect="1"/>
+            </p:cNvPicPr>
+            <p:nvPr/>
+          </p:nvPicPr>
+          <p:blipFill>
+            <a:blip r:embed="rId3">
+              <a:extLst>
+                <a:ext uri="{28A0092B-C50C-407E-A947-70E740481C1C}">
+                  <a14:useLocalDpi xmlns:a14="http://schemas.microsoft.com/office/drawing/2010/main" val="0"/>
+                </a:ext>
+              </a:extLst>
+            </a:blip>
+            <a:stretch>
+              <a:fillRect/>
+            </a:stretch>
+          </p:blipFill>
+          <p:spPr>
+            <a:xfrm>
+              <a:off x="1518992" y="4028249"/>
+              <a:ext cx="733393" cy="733393"/>
+            </a:xfrm>
+            <a:prstGeom prst="rect">
+              <a:avLst/>
+            </a:prstGeom>
+            <a:ln>
+              <a:noFill/>
+            </a:ln>
+            <a:effectLst>
+              <a:outerShdw blurRad="292100" dist="139700" dir="2700000" algn="tl" rotWithShape="0">
+                <a:srgbClr val="333333">
+                  <a:alpha val="65000"/>
+                </a:srgbClr>
+              </a:outerShdw>
+            </a:effectLst>
+          </p:spPr>
+        </p:pic>
+        <p:sp>
+          <p:nvSpPr>
+            <p:cNvPr id="8" name="TextBox 7"/>
+            <p:cNvSpPr txBox="1"/>
+            <p:nvPr/>
+          </p:nvSpPr>
+          <p:spPr>
+            <a:xfrm>
+              <a:off x="936907" y="4979122"/>
+              <a:ext cx="1897561" cy="307777"/>
+            </a:xfrm>
+            <a:prstGeom prst="rect">
+              <a:avLst/>
+            </a:prstGeom>
+            <a:noFill/>
+          </p:spPr>
+          <p:txBody>
+            <a:bodyPr wrap="square" lIns="0" tIns="0" rIns="0" bIns="0" rtlCol="0">
+              <a:spAutoFit/>
+            </a:bodyPr>
+            <a:lstStyle/>
+            <a:p>
+              <a:pPr algn="ctr"/>
+              <a:r>
+                <a:rPr lang="de-AT" sz="2000" dirty="0" smtClean="0">
+                  <a:solidFill>
+                    <a:schemeClr val="bg1"/>
+                  </a:solidFill>
+                  <a:latin typeface="Open Sans"/>
+                  <a:cs typeface="Open Sans"/>
+                </a:rPr>
+                <a:t>WS 1</a:t>
+              </a:r>
+              <a:endParaRPr lang="de-AT" sz="2000" dirty="0" smtClean="0">
+                <a:solidFill>
+                  <a:schemeClr val="bg1"/>
+                </a:solidFill>
+                <a:latin typeface="Open Sans"/>
+                <a:cs typeface="Open Sans"/>
+              </a:endParaRPr>
+            </a:p>
+          </p:txBody>
+        </p:sp>
+      </p:grpSp>
+      <p:grpSp>
+        <p:nvGrpSpPr>
+          <p:cNvPr id="10" name="Group 9"/>
+          <p:cNvGrpSpPr/>
+          <p:nvPr/>
+        </p:nvGrpSpPr>
+        <p:grpSpPr>
+          <a:xfrm>
+            <a:off x="2622563" y="3361859"/>
+            <a:ext cx="1971562" cy="1614453"/>
+            <a:chOff x="899908" y="3803121"/>
+            <a:chExt cx="1971562" cy="1614453"/>
+          </a:xfrm>
+        </p:grpSpPr>
+        <p:sp>
+          <p:nvSpPr>
+            <p:cNvPr id="11" name="Rounded Rectangle 10"/>
+            <p:cNvSpPr/>
+            <p:nvPr/>
+          </p:nvSpPr>
+          <p:spPr>
+            <a:xfrm>
+              <a:off x="899908" y="3803121"/>
+              <a:ext cx="1971562" cy="1614453"/>
+            </a:xfrm>
+            <a:prstGeom prst="roundRect">
+              <a:avLst/>
+            </a:prstGeom>
+            <a:solidFill>
+              <a:schemeClr val="tx2"/>
+            </a:solidFill>
+          </p:spPr>
+          <p:txBody>
+            <a:bodyPr wrap="square" lIns="91440" tIns="45720" rIns="91440" bIns="45720" rtlCol="0" anchor="ctr">
+              <a:spAutoFit/>
+            </a:bodyPr>
+            <a:lstStyle/>
+            <a:p>
+              <a:pPr algn="ctr"/>
+              <a:endParaRPr lang="de-AT" sz="2800" b="0" cap="none" spc="0" dirty="0" smtClean="0">
+                <a:ln w="0"/>
+                <a:gradFill>
+                  <a:gsLst>
+                    <a:gs pos="0">
+                      <a:schemeClr val="accent5">
+                        <a:lumMod val="50000"/>
+                      </a:schemeClr>
+                    </a:gs>
+                    <a:gs pos="50000">
+                      <a:schemeClr val="accent5"/>
+                    </a:gs>
+                    <a:gs pos="100000">
+                      <a:schemeClr val="accent5">
+                        <a:lumMod val="60000"/>
+                        <a:lumOff val="40000"/>
+                      </a:schemeClr>
+                    </a:gs>
+                  </a:gsLst>
+                  <a:lin ang="5400000"/>
+                </a:gradFill>
+                <a:effectLst>
+                  <a:reflection blurRad="6350" stA="53000" endA="300" endPos="35500" dir="5400000" sy="-90000" algn="bl" rotWithShape="0"/>
+                </a:effectLst>
+                <a:latin typeface="+mj-lt"/>
+              </a:endParaRPr>
+            </a:p>
+          </p:txBody>
+        </p:sp>
+        <p:pic>
+          <p:nvPicPr>
+            <p:cNvPr id="12" name="Picture 11"/>
+            <p:cNvPicPr>
+              <a:picLocks noChangeAspect="1"/>
+            </p:cNvPicPr>
+            <p:nvPr/>
+          </p:nvPicPr>
+          <p:blipFill>
+            <a:blip r:embed="rId3">
+              <a:extLst>
+                <a:ext uri="{28A0092B-C50C-407E-A947-70E740481C1C}">
+                  <a14:useLocalDpi xmlns:a14="http://schemas.microsoft.com/office/drawing/2010/main" val="0"/>
+                </a:ext>
+              </a:extLst>
+            </a:blip>
+            <a:stretch>
+              <a:fillRect/>
+            </a:stretch>
+          </p:blipFill>
+          <p:spPr>
+            <a:xfrm>
+              <a:off x="1518992" y="4028249"/>
+              <a:ext cx="733393" cy="733393"/>
+            </a:xfrm>
+            <a:prstGeom prst="rect">
+              <a:avLst/>
+            </a:prstGeom>
+            <a:ln>
+              <a:noFill/>
+            </a:ln>
+            <a:effectLst>
+              <a:outerShdw blurRad="292100" dist="139700" dir="2700000" algn="tl" rotWithShape="0">
+                <a:srgbClr val="333333">
+                  <a:alpha val="65000"/>
+                </a:srgbClr>
+              </a:outerShdw>
+            </a:effectLst>
+          </p:spPr>
+        </p:pic>
+        <p:sp>
+          <p:nvSpPr>
+            <p:cNvPr id="13" name="TextBox 12"/>
+            <p:cNvSpPr txBox="1"/>
+            <p:nvPr/>
+          </p:nvSpPr>
+          <p:spPr>
+            <a:xfrm>
+              <a:off x="936907" y="4979122"/>
+              <a:ext cx="1897561" cy="307777"/>
+            </a:xfrm>
+            <a:prstGeom prst="rect">
+              <a:avLst/>
+            </a:prstGeom>
+            <a:noFill/>
+          </p:spPr>
+          <p:txBody>
+            <a:bodyPr wrap="square" lIns="0" tIns="0" rIns="0" bIns="0" rtlCol="0">
+              <a:spAutoFit/>
+            </a:bodyPr>
+            <a:lstStyle/>
+            <a:p>
+              <a:pPr algn="ctr"/>
+              <a:r>
+                <a:rPr lang="de-AT" sz="2000" dirty="0" smtClean="0">
+                  <a:solidFill>
+                    <a:schemeClr val="bg1"/>
+                  </a:solidFill>
+                  <a:latin typeface="Open Sans"/>
+                  <a:cs typeface="Open Sans"/>
+                </a:rPr>
+                <a:t>WS 2</a:t>
+              </a:r>
+              <a:endParaRPr lang="de-AT" sz="2000" dirty="0" smtClean="0">
+                <a:solidFill>
+                  <a:schemeClr val="bg1"/>
+                </a:solidFill>
+                <a:latin typeface="Open Sans"/>
+                <a:cs typeface="Open Sans"/>
+              </a:endParaRPr>
+            </a:p>
+          </p:txBody>
+        </p:sp>
+      </p:grpSp>
+      <p:grpSp>
+        <p:nvGrpSpPr>
+          <p:cNvPr id="24" name="Group 23"/>
+          <p:cNvGrpSpPr/>
+          <p:nvPr/>
+        </p:nvGrpSpPr>
+        <p:grpSpPr>
+          <a:xfrm>
+            <a:off x="4698948" y="3388938"/>
+            <a:ext cx="1971562" cy="988322"/>
+            <a:chOff x="4708897" y="3388938"/>
+            <a:chExt cx="1971562" cy="988322"/>
+          </a:xfrm>
+        </p:grpSpPr>
+        <p:sp>
+          <p:nvSpPr>
+            <p:cNvPr id="15" name="Rounded Rectangle 14"/>
+            <p:cNvSpPr/>
+            <p:nvPr/>
+          </p:nvSpPr>
+          <p:spPr>
+            <a:xfrm>
+              <a:off x="4708897" y="3388938"/>
+              <a:ext cx="1971562" cy="988322"/>
+            </a:xfrm>
+            <a:prstGeom prst="roundRect">
+              <a:avLst/>
+            </a:prstGeom>
+            <a:solidFill>
+              <a:schemeClr val="bg1">
+                <a:lumMod val="95000"/>
+              </a:schemeClr>
+            </a:solidFill>
+            <a:ln>
+              <a:solidFill>
+                <a:schemeClr val="tx2"/>
+              </a:solidFill>
+            </a:ln>
+          </p:spPr>
+          <p:txBody>
+            <a:bodyPr wrap="square" lIns="91440" tIns="45720" rIns="91440" bIns="45720" rtlCol="0" anchor="ctr">
+              <a:spAutoFit/>
+            </a:bodyPr>
+            <a:lstStyle/>
+            <a:p>
+              <a:pPr algn="ctr"/>
+              <a:endParaRPr lang="de-AT" sz="2800" b="0" cap="none" spc="0" dirty="0" smtClean="0">
+                <a:ln w="0"/>
+                <a:gradFill>
+                  <a:gsLst>
+                    <a:gs pos="0">
+                      <a:schemeClr val="accent5">
+                        <a:lumMod val="50000"/>
+                      </a:schemeClr>
+                    </a:gs>
+                    <a:gs pos="50000">
+                      <a:schemeClr val="accent5"/>
+                    </a:gs>
+                    <a:gs pos="100000">
+                      <a:schemeClr val="accent5">
+                        <a:lumMod val="60000"/>
+                        <a:lumOff val="40000"/>
+                      </a:schemeClr>
+                    </a:gs>
+                  </a:gsLst>
+                  <a:lin ang="5400000"/>
+                </a:gradFill>
+                <a:effectLst>
+                  <a:reflection blurRad="6350" stA="53000" endA="300" endPos="35500" dir="5400000" sy="-90000" algn="bl" rotWithShape="0"/>
+                </a:effectLst>
+                <a:latin typeface="+mj-lt"/>
+              </a:endParaRPr>
+            </a:p>
+          </p:txBody>
+        </p:sp>
+        <p:sp>
+          <p:nvSpPr>
+            <p:cNvPr id="17" name="TextBox 16"/>
+            <p:cNvSpPr txBox="1"/>
+            <p:nvPr/>
+          </p:nvSpPr>
+          <p:spPr>
+            <a:xfrm>
+              <a:off x="5469127" y="3580610"/>
+              <a:ext cx="1203771" cy="615553"/>
+            </a:xfrm>
+            <a:prstGeom prst="rect">
+              <a:avLst/>
+            </a:prstGeom>
+            <a:noFill/>
+          </p:spPr>
+          <p:txBody>
+            <a:bodyPr wrap="square" lIns="0" tIns="0" rIns="0" bIns="0" rtlCol="0">
+              <a:spAutoFit/>
+            </a:bodyPr>
+            <a:lstStyle/>
+            <a:p>
+              <a:pPr algn="ctr"/>
+              <a:r>
+                <a:rPr lang="de-AT" sz="2000" dirty="0" smtClean="0">
+                  <a:solidFill>
+                    <a:schemeClr val="tx2"/>
+                  </a:solidFill>
+                  <a:latin typeface="Open Sans"/>
+                  <a:cs typeface="Open Sans"/>
+                </a:rPr>
+                <a:t>Use</a:t>
+              </a:r>
+              <a:r>
+                <a:rPr lang="de-AT" sz="2000" dirty="0" smtClean="0">
+                  <a:solidFill>
+                    <a:schemeClr val="tx2"/>
+                  </a:solidFill>
+                  <a:latin typeface="Open Sans"/>
+                  <a:cs typeface="Open Sans"/>
+                </a:rPr>
+                <a:t>r Settings</a:t>
+              </a:r>
+              <a:endParaRPr lang="de-AT" sz="2000" dirty="0" smtClean="0">
+                <a:solidFill>
+                  <a:schemeClr val="tx2"/>
+                </a:solidFill>
+                <a:latin typeface="Open Sans"/>
+                <a:cs typeface="Open Sans"/>
+              </a:endParaRPr>
+            </a:p>
+          </p:txBody>
+        </p:sp>
+      </p:grpSp>
+      <p:pic>
+        <p:nvPicPr>
+          <p:cNvPr id="1026" name="Picture 2" descr="http://www.clker.com/cliparts/a/5/9/7/12071567031590994625kml_Document.svg.hi.png"/>
+          <p:cNvPicPr>
+            <a:picLocks noGrp="1" noChangeAspect="1" noChangeArrowheads="1"/>
+          </p:cNvPicPr>
           <p:nvPr>
             <p:ph idx="1"/>
           </p:nvPr>
-        </p:nvSpPr>
-        <p:spPr/>
-        <p:txBody>
-          <a:bodyPr/>
+        </p:nvPicPr>
+        <p:blipFill>
+          <a:blip r:embed="rId4">
+            <a:extLst>
+              <a:ext uri="{28A0092B-C50C-407E-A947-70E740481C1C}">
+                <a14:useLocalDpi xmlns:a14="http://schemas.microsoft.com/office/drawing/2010/main" val="0"/>
+              </a:ext>
+            </a:extLst>
+          </a:blip>
+          <a:srcRect/>
+          <a:stretch>
+            <a:fillRect/>
+          </a:stretch>
+        </p:blipFill>
+        <p:spPr bwMode="auto">
+          <a:xfrm>
+            <a:off x="4919608" y="3489404"/>
+            <a:ext cx="582153" cy="807198"/>
+          </a:xfrm>
+          <a:prstGeom prst="rect">
+            <a:avLst/>
+          </a:prstGeom>
+          <a:noFill/>
+          <a:extLst>
+            <a:ext uri="{909E8E84-426E-40DD-AFC4-6F175D3DCCD1}">
+              <a14:hiddenFill xmlns:a14="http://schemas.microsoft.com/office/drawing/2010/main">
+                <a:solidFill>
+                  <a:srgbClr val="FFFFFF"/>
+                </a:solidFill>
+              </a14:hiddenFill>
+            </a:ext>
+          </a:extLst>
+        </p:spPr>
+      </p:pic>
+      <p:grpSp>
+        <p:nvGrpSpPr>
+          <p:cNvPr id="21" name="Group 20"/>
+          <p:cNvGrpSpPr/>
+          <p:nvPr/>
+        </p:nvGrpSpPr>
+        <p:grpSpPr>
+          <a:xfrm>
+            <a:off x="6795232" y="3361858"/>
+            <a:ext cx="1971562" cy="988322"/>
+            <a:chOff x="899908" y="3803121"/>
+            <a:chExt cx="1971562" cy="1614453"/>
+          </a:xfrm>
+        </p:grpSpPr>
+        <p:sp>
+          <p:nvSpPr>
+            <p:cNvPr id="22" name="Rounded Rectangle 21"/>
+            <p:cNvSpPr/>
+            <p:nvPr/>
+          </p:nvSpPr>
+          <p:spPr>
+            <a:xfrm>
+              <a:off x="899908" y="3803121"/>
+              <a:ext cx="1971562" cy="1614453"/>
+            </a:xfrm>
+            <a:prstGeom prst="roundRect">
+              <a:avLst/>
+            </a:prstGeom>
+            <a:solidFill>
+              <a:schemeClr val="bg1">
+                <a:lumMod val="95000"/>
+              </a:schemeClr>
+            </a:solidFill>
+            <a:ln>
+              <a:solidFill>
+                <a:schemeClr val="tx2"/>
+              </a:solidFill>
+            </a:ln>
+          </p:spPr>
+          <p:txBody>
+            <a:bodyPr wrap="square" lIns="91440" tIns="45720" rIns="91440" bIns="45720" rtlCol="0" anchor="ctr">
+              <a:spAutoFit/>
+            </a:bodyPr>
+            <a:lstStyle/>
+            <a:p>
+              <a:pPr algn="ctr"/>
+              <a:endParaRPr lang="de-AT" sz="2800" b="0" cap="none" spc="0" dirty="0" smtClean="0">
+                <a:ln w="0"/>
+                <a:gradFill>
+                  <a:gsLst>
+                    <a:gs pos="0">
+                      <a:schemeClr val="accent5">
+                        <a:lumMod val="50000"/>
+                      </a:schemeClr>
+                    </a:gs>
+                    <a:gs pos="50000">
+                      <a:schemeClr val="accent5"/>
+                    </a:gs>
+                    <a:gs pos="100000">
+                      <a:schemeClr val="accent5">
+                        <a:lumMod val="60000"/>
+                        <a:lumOff val="40000"/>
+                      </a:schemeClr>
+                    </a:gs>
+                  </a:gsLst>
+                  <a:lin ang="5400000"/>
+                </a:gradFill>
+                <a:effectLst>
+                  <a:reflection blurRad="6350" stA="53000" endA="300" endPos="35500" dir="5400000" sy="-90000" algn="bl" rotWithShape="0"/>
+                </a:effectLst>
+                <a:latin typeface="+mj-lt"/>
+              </a:endParaRPr>
+            </a:p>
+          </p:txBody>
+        </p:sp>
+        <p:sp>
+          <p:nvSpPr>
+            <p:cNvPr id="23" name="TextBox 22"/>
+            <p:cNvSpPr txBox="1"/>
+            <p:nvPr/>
+          </p:nvSpPr>
+          <p:spPr>
+            <a:xfrm>
+              <a:off x="1660138" y="4116223"/>
+              <a:ext cx="1203771" cy="1005524"/>
+            </a:xfrm>
+            <a:prstGeom prst="rect">
+              <a:avLst/>
+            </a:prstGeom>
+            <a:noFill/>
+          </p:spPr>
+          <p:txBody>
+            <a:bodyPr wrap="square" lIns="0" tIns="0" rIns="0" bIns="0" rtlCol="0">
+              <a:spAutoFit/>
+            </a:bodyPr>
+            <a:lstStyle/>
+            <a:p>
+              <a:pPr algn="ctr"/>
+              <a:r>
+                <a:rPr lang="de-AT" sz="2000" dirty="0" err="1" smtClean="0">
+                  <a:solidFill>
+                    <a:schemeClr val="tx2"/>
+                  </a:solidFill>
+                  <a:latin typeface="Open Sans"/>
+                  <a:cs typeface="Open Sans"/>
+                </a:rPr>
+                <a:t>Local</a:t>
+              </a:r>
+              <a:r>
+                <a:rPr lang="de-AT" sz="2000" dirty="0" smtClean="0">
+                  <a:solidFill>
+                    <a:schemeClr val="tx2"/>
+                  </a:solidFill>
+                  <a:latin typeface="Open Sans"/>
+                  <a:cs typeface="Open Sans"/>
+                </a:rPr>
+                <a:t> Utilities</a:t>
+              </a:r>
+              <a:endParaRPr lang="de-AT" sz="2000" dirty="0" smtClean="0">
+                <a:solidFill>
+                  <a:schemeClr val="tx2"/>
+                </a:solidFill>
+                <a:latin typeface="Open Sans"/>
+                <a:cs typeface="Open Sans"/>
+              </a:endParaRPr>
+            </a:p>
+          </p:txBody>
+        </p:sp>
+      </p:grpSp>
+      <p:pic>
+        <p:nvPicPr>
+          <p:cNvPr id="1028" name="Picture 4" descr="http://icons.iconseeker.com/png/fullsize/sticker-system/customize-9.png"/>
+          <p:cNvPicPr>
+            <a:picLocks noChangeAspect="1" noChangeArrowheads="1"/>
+          </p:cNvPicPr>
+          <p:nvPr/>
+        </p:nvPicPr>
+        <p:blipFill>
+          <a:blip r:embed="rId5">
+            <a:extLst>
+              <a:ext uri="{28A0092B-C50C-407E-A947-70E740481C1C}">
+                <a14:useLocalDpi xmlns:a14="http://schemas.microsoft.com/office/drawing/2010/main" val="0"/>
+              </a:ext>
+            </a:extLst>
+          </a:blip>
+          <a:srcRect/>
+          <a:stretch>
+            <a:fillRect/>
+          </a:stretch>
+        </p:blipFill>
+        <p:spPr bwMode="auto">
+          <a:xfrm>
+            <a:off x="6857821" y="3389711"/>
+            <a:ext cx="932615" cy="932615"/>
+          </a:xfrm>
+          <a:prstGeom prst="rect">
+            <a:avLst/>
+          </a:prstGeom>
+          <a:noFill/>
+          <a:extLst>
+            <a:ext uri="{909E8E84-426E-40DD-AFC4-6F175D3DCCD1}">
+              <a14:hiddenFill xmlns:a14="http://schemas.microsoft.com/office/drawing/2010/main">
+                <a:solidFill>
+                  <a:srgbClr val="FFFFFF"/>
+                </a:solidFill>
+              </a14:hiddenFill>
+            </a:ext>
+          </a:extLst>
+        </p:spPr>
+      </p:pic>
+      <p:pic>
+        <p:nvPicPr>
+          <p:cNvPr id="1034" name="Picture 10" descr="https://cdn2.iconfinder.com/data/icons/windows-8-metro-style/512/computer.png"/>
+          <p:cNvPicPr>
+            <a:picLocks noChangeAspect="1" noChangeArrowheads="1"/>
+          </p:cNvPicPr>
+          <p:nvPr/>
+        </p:nvPicPr>
+        <p:blipFill>
+          <a:blip r:embed="rId6">
+            <a:extLst>
+              <a:ext uri="{28A0092B-C50C-407E-A947-70E740481C1C}">
+                <a14:useLocalDpi xmlns:a14="http://schemas.microsoft.com/office/drawing/2010/main" val="0"/>
+              </a:ext>
+            </a:extLst>
+          </a:blip>
+          <a:srcRect/>
+          <a:stretch>
+            <a:fillRect/>
+          </a:stretch>
+        </p:blipFill>
+        <p:spPr bwMode="auto">
+          <a:xfrm>
+            <a:off x="332641" y="1111046"/>
+            <a:ext cx="1390196" cy="1390196"/>
+          </a:xfrm>
+          <a:prstGeom prst="rect">
+            <a:avLst/>
+          </a:prstGeom>
+          <a:noFill/>
+          <a:extLst>
+            <a:ext uri="{909E8E84-426E-40DD-AFC4-6F175D3DCCD1}">
+              <a14:hiddenFill xmlns:a14="http://schemas.microsoft.com/office/drawing/2010/main">
+                <a:solidFill>
+                  <a:srgbClr val="FFFFFF"/>
+                </a:solidFill>
+              </a14:hiddenFill>
+            </a:ext>
+          </a:extLst>
+        </p:spPr>
+      </p:pic>
+      <p:sp>
+        <p:nvSpPr>
+          <p:cNvPr id="29" name="TextBox 28"/>
+          <p:cNvSpPr txBox="1"/>
+          <p:nvPr/>
+        </p:nvSpPr>
+        <p:spPr>
+          <a:xfrm>
+            <a:off x="1711587" y="2185780"/>
+            <a:ext cx="2088889" cy="307777"/>
+          </a:xfrm>
+          <a:prstGeom prst="rect">
+            <a:avLst/>
+          </a:prstGeom>
+          <a:noFill/>
+        </p:spPr>
+        <p:txBody>
+          <a:bodyPr wrap="square" lIns="0" tIns="0" rIns="0" bIns="0" rtlCol="0">
+            <a:spAutoFit/>
+          </a:bodyPr>
           <a:lstStyle/>
           <a:p>
-            <a:endParaRPr lang="en-GB" dirty="0"/>
+            <a:pPr algn="ctr"/>
+            <a:r>
+              <a:rPr lang="de-AT" sz="2000" dirty="0" smtClean="0">
+                <a:latin typeface="Open Sans"/>
+                <a:cs typeface="Open Sans"/>
+              </a:rPr>
+              <a:t>User </a:t>
+            </a:r>
+            <a:r>
+              <a:rPr lang="de-AT" sz="2000" dirty="0" err="1" smtClean="0">
+                <a:latin typeface="Open Sans"/>
+                <a:cs typeface="Open Sans"/>
+              </a:rPr>
+              <a:t>Machine</a:t>
+            </a:r>
+            <a:endParaRPr lang="de-AT" sz="2000" dirty="0" smtClean="0">
+              <a:latin typeface="Open Sans"/>
+              <a:cs typeface="Open Sans"/>
+            </a:endParaRPr>
           </a:p>
         </p:txBody>
       </p:sp>
@@ -11631,6 +12567,832 @@
       </p:par>
     </p:tnLst>
   </p:timing>
+</p:sld>
+</file>
+
+<file path=ppt/slides/slide3.xml><?xml version="1.0" encoding="utf-8"?>
+<p:sld xmlns:a="http://schemas.openxmlformats.org/drawingml/2006/main" xmlns:r="http://schemas.openxmlformats.org/officeDocument/2006/relationships" xmlns:p="http://schemas.openxmlformats.org/presentationml/2006/main">
+  <p:cSld>
+    <p:spTree>
+      <p:nvGrpSpPr>
+        <p:cNvPr id="1" name=""/>
+        <p:cNvGrpSpPr/>
+        <p:nvPr/>
+      </p:nvGrpSpPr>
+      <p:grpSpPr>
+        <a:xfrm>
+          <a:off x="0" y="0"/>
+          <a:ext cx="0" cy="0"/>
+          <a:chOff x="0" y="0"/>
+          <a:chExt cx="0" cy="0"/>
+        </a:xfrm>
+      </p:grpSpPr>
+      <p:sp>
+        <p:nvSpPr>
+          <p:cNvPr id="42" name="Rounded Rectangle 41"/>
+          <p:cNvSpPr/>
+          <p:nvPr/>
+        </p:nvSpPr>
+        <p:spPr>
+          <a:xfrm>
+            <a:off x="193802" y="3712410"/>
+            <a:ext cx="8758081" cy="2585886"/>
+          </a:xfrm>
+          <a:prstGeom prst="roundRect">
+            <a:avLst/>
+          </a:prstGeom>
+          <a:solidFill>
+            <a:schemeClr val="tx2">
+              <a:lumMod val="20000"/>
+              <a:lumOff val="80000"/>
+            </a:schemeClr>
+          </a:solidFill>
+          <a:ln>
+            <a:solidFill>
+              <a:schemeClr val="tx2"/>
+            </a:solidFill>
+          </a:ln>
+        </p:spPr>
+        <p:style>
+          <a:lnRef idx="1">
+            <a:schemeClr val="accent1"/>
+          </a:lnRef>
+          <a:fillRef idx="3">
+            <a:schemeClr val="accent1"/>
+          </a:fillRef>
+          <a:effectRef idx="2">
+            <a:schemeClr val="accent1"/>
+          </a:effectRef>
+          <a:fontRef idx="minor">
+            <a:schemeClr val="lt1"/>
+          </a:fontRef>
+        </p:style>
+        <p:txBody>
+          <a:bodyPr rtlCol="0" anchor="ctr"/>
+          <a:lstStyle/>
+          <a:p>
+            <a:pPr algn="ctr"/>
+            <a:endParaRPr lang="en-GB" dirty="0" smtClean="0">
+              <a:latin typeface="Open Sans"/>
+              <a:cs typeface="Open Sans"/>
+            </a:endParaRPr>
+          </a:p>
+        </p:txBody>
+      </p:sp>
+      <p:pic>
+        <p:nvPicPr>
+          <p:cNvPr id="2054" name="Picture 6" descr="http://homeserverblog.gravityserversll.netdna-cdn.com/wp-content/uploads/2013/09/icon-cloud-300x300.png"/>
+          <p:cNvPicPr>
+            <a:picLocks noChangeAspect="1" noChangeArrowheads="1"/>
+          </p:cNvPicPr>
+          <p:nvPr/>
+        </p:nvPicPr>
+        <p:blipFill>
+          <a:blip r:embed="rId3">
+            <a:extLst>
+              <a:ext uri="{28A0092B-C50C-407E-A947-70E740481C1C}">
+                <a14:useLocalDpi xmlns:a14="http://schemas.microsoft.com/office/drawing/2010/main" val="0"/>
+              </a:ext>
+            </a:extLst>
+          </a:blip>
+          <a:srcRect/>
+          <a:stretch>
+            <a:fillRect/>
+          </a:stretch>
+        </p:blipFill>
+        <p:spPr bwMode="auto">
+          <a:xfrm>
+            <a:off x="193802" y="1059365"/>
+            <a:ext cx="2857500" cy="2857500"/>
+          </a:xfrm>
+          <a:prstGeom prst="rect">
+            <a:avLst/>
+          </a:prstGeom>
+          <a:noFill/>
+          <a:extLst>
+            <a:ext uri="{909E8E84-426E-40DD-AFC4-6F175D3DCCD1}">
+              <a14:hiddenFill xmlns:a14="http://schemas.microsoft.com/office/drawing/2010/main">
+                <a:solidFill>
+                  <a:srgbClr val="FFFFFF"/>
+                </a:solidFill>
+              </a14:hiddenFill>
+            </a:ext>
+          </a:extLst>
+        </p:spPr>
+      </p:pic>
+      <p:sp>
+        <p:nvSpPr>
+          <p:cNvPr id="3" name="Titel 2"/>
+          <p:cNvSpPr>
+            <a:spLocks noGrp="1"/>
+          </p:cNvSpPr>
+          <p:nvPr>
+            <p:ph type="title"/>
+          </p:nvPr>
+        </p:nvSpPr>
+        <p:spPr/>
+        <p:txBody>
+          <a:bodyPr/>
+          <a:lstStyle/>
+          <a:p>
+            <a:r>
+              <a:rPr lang="en-GB" dirty="0" smtClean="0"/>
+              <a:t>Keep users in sync</a:t>
+            </a:r>
+            <a:endParaRPr lang="en-GB" dirty="0"/>
+          </a:p>
+        </p:txBody>
+      </p:sp>
+      <p:grpSp>
+        <p:nvGrpSpPr>
+          <p:cNvPr id="18" name="Group 17"/>
+          <p:cNvGrpSpPr/>
+          <p:nvPr/>
+        </p:nvGrpSpPr>
+        <p:grpSpPr>
+          <a:xfrm>
+            <a:off x="422708" y="4167403"/>
+            <a:ext cx="2769471" cy="1390618"/>
+            <a:chOff x="457201" y="4866969"/>
+            <a:chExt cx="2769471" cy="1390618"/>
+          </a:xfrm>
+        </p:grpSpPr>
+        <p:pic>
+          <p:nvPicPr>
+            <p:cNvPr id="1034" name="Picture 10" descr="https://cdn2.iconfinder.com/data/icons/windows-8-metro-style/512/computer.png"/>
+            <p:cNvPicPr>
+              <a:picLocks noChangeAspect="1" noChangeArrowheads="1"/>
+            </p:cNvPicPr>
+            <p:nvPr/>
+          </p:nvPicPr>
+          <p:blipFill>
+            <a:blip r:embed="rId4">
+              <a:extLst>
+                <a:ext uri="{28A0092B-C50C-407E-A947-70E740481C1C}">
+                  <a14:useLocalDpi xmlns:a14="http://schemas.microsoft.com/office/drawing/2010/main" val="0"/>
+                </a:ext>
+              </a:extLst>
+            </a:blip>
+            <a:srcRect/>
+            <a:stretch>
+              <a:fillRect/>
+            </a:stretch>
+          </p:blipFill>
+          <p:spPr bwMode="auto">
+            <a:xfrm>
+              <a:off x="457201" y="4866969"/>
+              <a:ext cx="1390196" cy="1390196"/>
+            </a:xfrm>
+            <a:prstGeom prst="rect">
+              <a:avLst/>
+            </a:prstGeom>
+            <a:noFill/>
+            <a:extLst>
+              <a:ext uri="{909E8E84-426E-40DD-AFC4-6F175D3DCCD1}">
+                <a14:hiddenFill xmlns:a14="http://schemas.microsoft.com/office/drawing/2010/main">
+                  <a:solidFill>
+                    <a:srgbClr val="FFFFFF"/>
+                  </a:solidFill>
+                </a14:hiddenFill>
+              </a:ext>
+            </a:extLst>
+          </p:spPr>
+        </p:pic>
+        <p:sp>
+          <p:nvSpPr>
+            <p:cNvPr id="29" name="TextBox 28"/>
+            <p:cNvSpPr txBox="1"/>
+            <p:nvPr/>
+          </p:nvSpPr>
+          <p:spPr>
+            <a:xfrm>
+              <a:off x="1807444" y="5949810"/>
+              <a:ext cx="1419228" cy="307777"/>
+            </a:xfrm>
+            <a:prstGeom prst="rect">
+              <a:avLst/>
+            </a:prstGeom>
+            <a:noFill/>
+          </p:spPr>
+          <p:txBody>
+            <a:bodyPr wrap="square" lIns="0" tIns="0" rIns="0" bIns="0" rtlCol="0">
+              <a:spAutoFit/>
+            </a:bodyPr>
+            <a:lstStyle/>
+            <a:p>
+              <a:pPr algn="ctr"/>
+              <a:r>
+                <a:rPr lang="de-AT" sz="2000" dirty="0" err="1" smtClean="0">
+                  <a:latin typeface="Open Sans"/>
+                  <a:cs typeface="Open Sans"/>
+                </a:rPr>
+                <a:t>Machine</a:t>
+              </a:r>
+              <a:r>
+                <a:rPr lang="de-AT" sz="2000" dirty="0" smtClean="0">
+                  <a:latin typeface="Open Sans"/>
+                  <a:cs typeface="Open Sans"/>
+                </a:rPr>
+                <a:t> 1</a:t>
+              </a:r>
+              <a:endParaRPr lang="de-AT" sz="2000" dirty="0" smtClean="0">
+                <a:latin typeface="Open Sans"/>
+                <a:cs typeface="Open Sans"/>
+              </a:endParaRPr>
+            </a:p>
+          </p:txBody>
+        </p:sp>
+      </p:grpSp>
+      <p:grpSp>
+        <p:nvGrpSpPr>
+          <p:cNvPr id="28" name="Group 27"/>
+          <p:cNvGrpSpPr/>
+          <p:nvPr/>
+        </p:nvGrpSpPr>
+        <p:grpSpPr>
+          <a:xfrm>
+            <a:off x="3192179" y="4166981"/>
+            <a:ext cx="2769471" cy="1390618"/>
+            <a:chOff x="457201" y="4866969"/>
+            <a:chExt cx="2769471" cy="1390618"/>
+          </a:xfrm>
+        </p:grpSpPr>
+        <p:pic>
+          <p:nvPicPr>
+            <p:cNvPr id="30" name="Picture 10" descr="https://cdn2.iconfinder.com/data/icons/windows-8-metro-style/512/computer.png"/>
+            <p:cNvPicPr>
+              <a:picLocks noChangeAspect="1" noChangeArrowheads="1"/>
+            </p:cNvPicPr>
+            <p:nvPr/>
+          </p:nvPicPr>
+          <p:blipFill>
+            <a:blip r:embed="rId4">
+              <a:extLst>
+                <a:ext uri="{28A0092B-C50C-407E-A947-70E740481C1C}">
+                  <a14:useLocalDpi xmlns:a14="http://schemas.microsoft.com/office/drawing/2010/main" val="0"/>
+                </a:ext>
+              </a:extLst>
+            </a:blip>
+            <a:srcRect/>
+            <a:stretch>
+              <a:fillRect/>
+            </a:stretch>
+          </p:blipFill>
+          <p:spPr bwMode="auto">
+            <a:xfrm>
+              <a:off x="457201" y="4866969"/>
+              <a:ext cx="1390196" cy="1390196"/>
+            </a:xfrm>
+            <a:prstGeom prst="rect">
+              <a:avLst/>
+            </a:prstGeom>
+            <a:noFill/>
+            <a:extLst>
+              <a:ext uri="{909E8E84-426E-40DD-AFC4-6F175D3DCCD1}">
+                <a14:hiddenFill xmlns:a14="http://schemas.microsoft.com/office/drawing/2010/main">
+                  <a:solidFill>
+                    <a:srgbClr val="FFFFFF"/>
+                  </a:solidFill>
+                </a14:hiddenFill>
+              </a:ext>
+            </a:extLst>
+          </p:spPr>
+        </p:pic>
+        <p:sp>
+          <p:nvSpPr>
+            <p:cNvPr id="31" name="TextBox 30"/>
+            <p:cNvSpPr txBox="1"/>
+            <p:nvPr/>
+          </p:nvSpPr>
+          <p:spPr>
+            <a:xfrm>
+              <a:off x="1807444" y="5949810"/>
+              <a:ext cx="1419228" cy="307777"/>
+            </a:xfrm>
+            <a:prstGeom prst="rect">
+              <a:avLst/>
+            </a:prstGeom>
+            <a:noFill/>
+          </p:spPr>
+          <p:txBody>
+            <a:bodyPr wrap="square" lIns="0" tIns="0" rIns="0" bIns="0" rtlCol="0">
+              <a:spAutoFit/>
+            </a:bodyPr>
+            <a:lstStyle/>
+            <a:p>
+              <a:pPr algn="ctr"/>
+              <a:r>
+                <a:rPr lang="de-AT" sz="2000" dirty="0" err="1" smtClean="0">
+                  <a:latin typeface="Open Sans"/>
+                  <a:cs typeface="Open Sans"/>
+                </a:rPr>
+                <a:t>Machine</a:t>
+              </a:r>
+              <a:r>
+                <a:rPr lang="de-AT" sz="2000" dirty="0" smtClean="0">
+                  <a:latin typeface="Open Sans"/>
+                  <a:cs typeface="Open Sans"/>
+                </a:rPr>
+                <a:t> 2</a:t>
+              </a:r>
+              <a:endParaRPr lang="de-AT" sz="2000" dirty="0" smtClean="0">
+                <a:latin typeface="Open Sans"/>
+                <a:cs typeface="Open Sans"/>
+              </a:endParaRPr>
+            </a:p>
+          </p:txBody>
+        </p:sp>
+      </p:grpSp>
+      <p:grpSp>
+        <p:nvGrpSpPr>
+          <p:cNvPr id="32" name="Group 31"/>
+          <p:cNvGrpSpPr/>
+          <p:nvPr/>
+        </p:nvGrpSpPr>
+        <p:grpSpPr>
+          <a:xfrm>
+            <a:off x="6051676" y="4163146"/>
+            <a:ext cx="2769471" cy="1390618"/>
+            <a:chOff x="457201" y="4866969"/>
+            <a:chExt cx="2769471" cy="1390618"/>
+          </a:xfrm>
+        </p:grpSpPr>
+        <p:pic>
+          <p:nvPicPr>
+            <p:cNvPr id="33" name="Picture 10" descr="https://cdn2.iconfinder.com/data/icons/windows-8-metro-style/512/computer.png"/>
+            <p:cNvPicPr>
+              <a:picLocks noChangeAspect="1" noChangeArrowheads="1"/>
+            </p:cNvPicPr>
+            <p:nvPr/>
+          </p:nvPicPr>
+          <p:blipFill>
+            <a:blip r:embed="rId4">
+              <a:extLst>
+                <a:ext uri="{28A0092B-C50C-407E-A947-70E740481C1C}">
+                  <a14:useLocalDpi xmlns:a14="http://schemas.microsoft.com/office/drawing/2010/main" val="0"/>
+                </a:ext>
+              </a:extLst>
+            </a:blip>
+            <a:srcRect/>
+            <a:stretch>
+              <a:fillRect/>
+            </a:stretch>
+          </p:blipFill>
+          <p:spPr bwMode="auto">
+            <a:xfrm>
+              <a:off x="457201" y="4866969"/>
+              <a:ext cx="1390196" cy="1390196"/>
+            </a:xfrm>
+            <a:prstGeom prst="rect">
+              <a:avLst/>
+            </a:prstGeom>
+            <a:noFill/>
+            <a:extLst>
+              <a:ext uri="{909E8E84-426E-40DD-AFC4-6F175D3DCCD1}">
+                <a14:hiddenFill xmlns:a14="http://schemas.microsoft.com/office/drawing/2010/main">
+                  <a:solidFill>
+                    <a:srgbClr val="FFFFFF"/>
+                  </a:solidFill>
+                </a14:hiddenFill>
+              </a:ext>
+            </a:extLst>
+          </p:spPr>
+        </p:pic>
+        <p:sp>
+          <p:nvSpPr>
+            <p:cNvPr id="34" name="TextBox 33"/>
+            <p:cNvSpPr txBox="1"/>
+            <p:nvPr/>
+          </p:nvSpPr>
+          <p:spPr>
+            <a:xfrm>
+              <a:off x="1807444" y="5949810"/>
+              <a:ext cx="1419228" cy="307777"/>
+            </a:xfrm>
+            <a:prstGeom prst="rect">
+              <a:avLst/>
+            </a:prstGeom>
+            <a:noFill/>
+          </p:spPr>
+          <p:txBody>
+            <a:bodyPr wrap="square" lIns="0" tIns="0" rIns="0" bIns="0" rtlCol="0">
+              <a:spAutoFit/>
+            </a:bodyPr>
+            <a:lstStyle/>
+            <a:p>
+              <a:pPr algn="ctr"/>
+              <a:r>
+                <a:rPr lang="de-AT" sz="2000" dirty="0" err="1" smtClean="0">
+                  <a:latin typeface="Open Sans"/>
+                  <a:cs typeface="Open Sans"/>
+                </a:rPr>
+                <a:t>Machine</a:t>
+              </a:r>
+              <a:r>
+                <a:rPr lang="de-AT" sz="2000" dirty="0" smtClean="0">
+                  <a:latin typeface="Open Sans"/>
+                  <a:cs typeface="Open Sans"/>
+                </a:rPr>
+                <a:t> 3</a:t>
+              </a:r>
+              <a:endParaRPr lang="de-AT" sz="2000" dirty="0" smtClean="0">
+                <a:latin typeface="Open Sans"/>
+                <a:cs typeface="Open Sans"/>
+              </a:endParaRPr>
+            </a:p>
+          </p:txBody>
+        </p:sp>
+      </p:grpSp>
+      <p:sp>
+        <p:nvSpPr>
+          <p:cNvPr id="25" name="TextBox 24"/>
+          <p:cNvSpPr txBox="1"/>
+          <p:nvPr/>
+        </p:nvSpPr>
+        <p:spPr>
+          <a:xfrm>
+            <a:off x="2966118" y="2827548"/>
+            <a:ext cx="3493676" cy="430887"/>
+          </a:xfrm>
+          <a:prstGeom prst="rect">
+            <a:avLst/>
+          </a:prstGeom>
+          <a:noFill/>
+        </p:spPr>
+        <p:txBody>
+          <a:bodyPr wrap="square" lIns="0" tIns="0" rIns="0" bIns="0" rtlCol="0">
+            <a:spAutoFit/>
+          </a:bodyPr>
+          <a:lstStyle/>
+          <a:p>
+            <a:r>
+              <a:rPr lang="en-GB" sz="2800" dirty="0" smtClean="0">
+                <a:latin typeface="Open Sans"/>
+                <a:cs typeface="Open Sans"/>
+              </a:rPr>
+              <a:t>Tosca Account Server</a:t>
+            </a:r>
+            <a:endParaRPr lang="en-GB" sz="2800" dirty="0" smtClean="0">
+              <a:latin typeface="Open Sans"/>
+              <a:cs typeface="Open Sans"/>
+            </a:endParaRPr>
+          </a:p>
+        </p:txBody>
+      </p:sp>
+      <p:cxnSp>
+        <p:nvCxnSpPr>
+          <p:cNvPr id="27" name="Straight Arrow Connector 26"/>
+          <p:cNvCxnSpPr/>
+          <p:nvPr/>
+        </p:nvCxnSpPr>
+        <p:spPr>
+          <a:xfrm>
+            <a:off x="1098141" y="3258435"/>
+            <a:ext cx="0" cy="904711"/>
+          </a:xfrm>
+          <a:prstGeom prst="straightConnector1">
+            <a:avLst/>
+          </a:prstGeom>
+          <a:ln w="57150">
+            <a:solidFill>
+              <a:schemeClr val="tx2"/>
+            </a:solidFill>
+            <a:headEnd type="triangle"/>
+            <a:tailEnd type="triangle"/>
+          </a:ln>
+        </p:spPr>
+        <p:style>
+          <a:lnRef idx="2">
+            <a:schemeClr val="accent6"/>
+          </a:lnRef>
+          <a:fillRef idx="0">
+            <a:schemeClr val="accent6"/>
+          </a:fillRef>
+          <a:effectRef idx="1">
+            <a:schemeClr val="accent6"/>
+          </a:effectRef>
+          <a:fontRef idx="minor">
+            <a:schemeClr val="tx1"/>
+          </a:fontRef>
+        </p:style>
+      </p:cxnSp>
+      <p:cxnSp>
+        <p:nvCxnSpPr>
+          <p:cNvPr id="46" name="Straight Arrow Connector 45"/>
+          <p:cNvCxnSpPr/>
+          <p:nvPr/>
+        </p:nvCxnSpPr>
+        <p:spPr>
+          <a:xfrm>
+            <a:off x="3887277" y="3258434"/>
+            <a:ext cx="0" cy="904711"/>
+          </a:xfrm>
+          <a:prstGeom prst="straightConnector1">
+            <a:avLst/>
+          </a:prstGeom>
+          <a:ln w="57150">
+            <a:solidFill>
+              <a:schemeClr val="tx2"/>
+            </a:solidFill>
+            <a:headEnd type="triangle"/>
+            <a:tailEnd type="triangle"/>
+          </a:ln>
+        </p:spPr>
+        <p:style>
+          <a:lnRef idx="2">
+            <a:schemeClr val="accent6"/>
+          </a:lnRef>
+          <a:fillRef idx="0">
+            <a:schemeClr val="accent6"/>
+          </a:fillRef>
+          <a:effectRef idx="1">
+            <a:schemeClr val="accent6"/>
+          </a:effectRef>
+          <a:fontRef idx="minor">
+            <a:schemeClr val="tx1"/>
+          </a:fontRef>
+        </p:style>
+      </p:cxnSp>
+      <p:cxnSp>
+        <p:nvCxnSpPr>
+          <p:cNvPr id="47" name="Straight Arrow Connector 46"/>
+          <p:cNvCxnSpPr/>
+          <p:nvPr/>
+        </p:nvCxnSpPr>
+        <p:spPr>
+          <a:xfrm>
+            <a:off x="6746774" y="3258433"/>
+            <a:ext cx="0" cy="904711"/>
+          </a:xfrm>
+          <a:prstGeom prst="straightConnector1">
+            <a:avLst/>
+          </a:prstGeom>
+          <a:ln w="57150">
+            <a:solidFill>
+              <a:schemeClr val="tx2"/>
+            </a:solidFill>
+            <a:headEnd type="triangle"/>
+            <a:tailEnd type="triangle"/>
+          </a:ln>
+        </p:spPr>
+        <p:style>
+          <a:lnRef idx="2">
+            <a:schemeClr val="accent6"/>
+          </a:lnRef>
+          <a:fillRef idx="0">
+            <a:schemeClr val="accent6"/>
+          </a:fillRef>
+          <a:effectRef idx="1">
+            <a:schemeClr val="accent6"/>
+          </a:effectRef>
+          <a:fontRef idx="minor">
+            <a:schemeClr val="tx1"/>
+          </a:fontRef>
+        </p:style>
+      </p:cxnSp>
+    </p:spTree>
+    <p:extLst>
+      <p:ext uri="{BB962C8B-B14F-4D97-AF65-F5344CB8AC3E}">
+        <p14:creationId xmlns:p14="http://schemas.microsoft.com/office/powerpoint/2010/main" val="1978886983"/>
+      </p:ext>
+    </p:extLst>
+  </p:cSld>
+  <p:clrMapOvr>
+    <a:masterClrMapping/>
+  </p:clrMapOvr>
+  <mc:AlternateContent xmlns:mc="http://schemas.openxmlformats.org/markup-compatibility/2006">
+    <mc:Choice xmlns:p14="http://schemas.microsoft.com/office/powerpoint/2010/main" Requires="p14">
+      <p:transition spd="slow" p14:dur="2000"/>
+    </mc:Choice>
+    <mc:Fallback>
+      <p:transition spd="slow"/>
+    </mc:Fallback>
+  </mc:AlternateContent>
+  <p:timing>
+    <p:tnLst>
+      <p:par>
+        <p:cTn id="1" dur="indefinite" restart="never" nodeType="tmRoot"/>
+      </p:par>
+    </p:tnLst>
+  </p:timing>
+</p:sld>
+</file>
+
+<file path=ppt/slides/slide4.xml><?xml version="1.0" encoding="utf-8"?>
+<p:sld xmlns:a="http://schemas.openxmlformats.org/drawingml/2006/main" xmlns:r="http://schemas.openxmlformats.org/officeDocument/2006/relationships" xmlns:p="http://schemas.openxmlformats.org/presentationml/2006/main">
+  <p:cSld>
+    <p:spTree>
+      <p:nvGrpSpPr>
+        <p:cNvPr id="1" name=""/>
+        <p:cNvGrpSpPr/>
+        <p:nvPr/>
+      </p:nvGrpSpPr>
+      <p:grpSpPr>
+        <a:xfrm>
+          <a:off x="0" y="0"/>
+          <a:ext cx="0" cy="0"/>
+          <a:chOff x="0" y="0"/>
+          <a:chExt cx="0" cy="0"/>
+        </a:xfrm>
+      </p:grpSpPr>
+      <p:sp>
+        <p:nvSpPr>
+          <p:cNvPr id="2" name="TextBox 1"/>
+          <p:cNvSpPr txBox="1"/>
+          <p:nvPr/>
+        </p:nvSpPr>
+        <p:spPr>
+          <a:xfrm>
+            <a:off x="3165987" y="2605548"/>
+            <a:ext cx="2812026" cy="1107996"/>
+          </a:xfrm>
+          <a:prstGeom prst="rect">
+            <a:avLst/>
+          </a:prstGeom>
+          <a:noFill/>
+        </p:spPr>
+        <p:txBody>
+          <a:bodyPr wrap="square" lIns="0" tIns="0" rIns="0" bIns="0" rtlCol="0">
+            <a:spAutoFit/>
+          </a:bodyPr>
+          <a:lstStyle/>
+          <a:p>
+            <a:r>
+              <a:rPr lang="en-GB" sz="7200" dirty="0" smtClean="0">
+                <a:solidFill>
+                  <a:schemeClr val="tx2"/>
+                </a:solidFill>
+                <a:latin typeface="Open Sans"/>
+                <a:cs typeface="Open Sans"/>
+              </a:rPr>
+              <a:t>Demo</a:t>
+            </a:r>
+            <a:endParaRPr lang="en-GB" sz="7200" dirty="0" smtClean="0">
+              <a:solidFill>
+                <a:schemeClr val="tx2"/>
+              </a:solidFill>
+              <a:latin typeface="Open Sans"/>
+              <a:cs typeface="Open Sans"/>
+            </a:endParaRPr>
+          </a:p>
+        </p:txBody>
+      </p:sp>
+    </p:spTree>
+    <p:extLst>
+      <p:ext uri="{BB962C8B-B14F-4D97-AF65-F5344CB8AC3E}">
+        <p14:creationId xmlns:p14="http://schemas.microsoft.com/office/powerpoint/2010/main" val="2600399649"/>
+      </p:ext>
+    </p:extLst>
+  </p:cSld>
+  <p:clrMapOvr>
+    <a:masterClrMapping/>
+  </p:clrMapOvr>
+  <mc:AlternateContent xmlns:mc="http://schemas.openxmlformats.org/markup-compatibility/2006">
+    <mc:Choice xmlns:p14="http://schemas.microsoft.com/office/powerpoint/2010/main" Requires="p14">
+      <p:transition spd="slow" p14:dur="2000"/>
+    </mc:Choice>
+    <mc:Fallback>
+      <p:transition spd="slow"/>
+    </mc:Fallback>
+  </mc:AlternateContent>
+  <p:timing>
+    <p:tnLst>
+      <p:par>
+        <p:cTn id="1" dur="indefinite" restart="never" nodeType="tmRoot"/>
+      </p:par>
+    </p:tnLst>
+  </p:timing>
+</p:sld>
+</file>
+
+<file path=ppt/slides/slide5.xml><?xml version="1.0" encoding="utf-8"?>
+<p:sld xmlns:a="http://schemas.openxmlformats.org/drawingml/2006/main" xmlns:r="http://schemas.openxmlformats.org/officeDocument/2006/relationships" xmlns:p="http://schemas.openxmlformats.org/presentationml/2006/main">
+  <p:cSld>
+    <p:spTree>
+      <p:nvGrpSpPr>
+        <p:cNvPr id="1" name=""/>
+        <p:cNvGrpSpPr/>
+        <p:nvPr/>
+      </p:nvGrpSpPr>
+      <p:grpSpPr>
+        <a:xfrm>
+          <a:off x="0" y="0"/>
+          <a:ext cx="0" cy="0"/>
+          <a:chOff x="0" y="0"/>
+          <a:chExt cx="0" cy="0"/>
+        </a:xfrm>
+      </p:grpSpPr>
+      <p:sp>
+        <p:nvSpPr>
+          <p:cNvPr id="2" name="Title 1"/>
+          <p:cNvSpPr>
+            <a:spLocks noGrp="1"/>
+          </p:cNvSpPr>
+          <p:nvPr>
+            <p:ph type="title"/>
+          </p:nvPr>
+        </p:nvSpPr>
+        <p:spPr/>
+        <p:txBody>
+          <a:bodyPr/>
+          <a:lstStyle/>
+          <a:p>
+            <a:r>
+              <a:rPr lang="en-GB" dirty="0" smtClean="0"/>
+              <a:t>Merits</a:t>
+            </a:r>
+            <a:endParaRPr lang="en-GB" dirty="0"/>
+          </a:p>
+        </p:txBody>
+      </p:sp>
+      <p:sp>
+        <p:nvSpPr>
+          <p:cNvPr id="3" name="Content Placeholder 2"/>
+          <p:cNvSpPr>
+            <a:spLocks noGrp="1"/>
+          </p:cNvSpPr>
+          <p:nvPr>
+            <p:ph idx="1"/>
+          </p:nvPr>
+        </p:nvSpPr>
+        <p:spPr/>
+        <p:txBody>
+          <a:bodyPr/>
+          <a:lstStyle/>
+          <a:p>
+            <a:pPr marL="342900" indent="-342900">
+              <a:buFont typeface="Arial" panose="020B0604020202020204" pitchFamily="34" charset="0"/>
+              <a:buChar char="•"/>
+            </a:pPr>
+            <a:r>
+              <a:rPr lang="en-GB" dirty="0" smtClean="0"/>
+              <a:t>Comfort for new Users / Users with many workspaces to manage</a:t>
+            </a:r>
+          </a:p>
+          <a:p>
+            <a:pPr marL="342900" indent="-342900">
+              <a:buFont typeface="Arial" panose="020B0604020202020204" pitchFamily="34" charset="0"/>
+              <a:buChar char="•"/>
+            </a:pPr>
+            <a:endParaRPr lang="en-GB" dirty="0" smtClean="0"/>
+          </a:p>
+          <a:p>
+            <a:pPr marL="342900" indent="-342900">
+              <a:buFont typeface="Arial" panose="020B0604020202020204" pitchFamily="34" charset="0"/>
+              <a:buChar char="•"/>
+            </a:pPr>
+            <a:r>
+              <a:rPr lang="en-GB" dirty="0" smtClean="0"/>
+              <a:t>Central instance for managing access to workspaces</a:t>
+            </a:r>
+          </a:p>
+          <a:p>
+            <a:pPr marL="342900" indent="-342900">
+              <a:buFont typeface="Arial" panose="020B0604020202020204" pitchFamily="34" charset="0"/>
+              <a:buChar char="•"/>
+            </a:pPr>
+            <a:endParaRPr lang="en-GB" dirty="0" smtClean="0"/>
+          </a:p>
+          <a:p>
+            <a:pPr marL="342900" indent="-342900">
+              <a:buFont typeface="Arial" panose="020B0604020202020204" pitchFamily="34" charset="0"/>
+              <a:buChar char="•"/>
+            </a:pPr>
+            <a:r>
+              <a:rPr lang="en-GB" dirty="0" smtClean="0"/>
+              <a:t>Testers are identifiable across workspaces</a:t>
+            </a:r>
+          </a:p>
+          <a:p>
+            <a:pPr marL="342900" indent="-342900">
+              <a:buFont typeface="Arial" panose="020B0604020202020204" pitchFamily="34" charset="0"/>
+              <a:buChar char="•"/>
+            </a:pPr>
+            <a:endParaRPr lang="en-GB" dirty="0" smtClean="0"/>
+          </a:p>
+          <a:p>
+            <a:pPr marL="342900" indent="-342900">
+              <a:buFont typeface="Arial" panose="020B0604020202020204" pitchFamily="34" charset="0"/>
+              <a:buChar char="•"/>
+            </a:pPr>
+            <a:r>
+              <a:rPr lang="en-GB" dirty="0" smtClean="0"/>
+              <a:t>Concept can be extended: Notifications, Support-Integration, More things to synchronize ….</a:t>
+            </a:r>
+            <a:endParaRPr lang="en-GB" dirty="0"/>
+          </a:p>
+        </p:txBody>
+      </p:sp>
+    </p:spTree>
+    <p:extLst>
+      <p:ext uri="{BB962C8B-B14F-4D97-AF65-F5344CB8AC3E}">
+        <p14:creationId xmlns:p14="http://schemas.microsoft.com/office/powerpoint/2010/main" val="1551543418"/>
+      </p:ext>
+    </p:extLst>
+  </p:cSld>
+  <p:clrMapOvr>
+    <a:masterClrMapping/>
+  </p:clrMapOvr>
 </p:sld>
 </file>
 

--- a/tosca-account-demo.pptx
+++ b/tosca-account-demo.pptx
@@ -1281,7 +1281,7 @@
           <p:nvPr userDrawn="1"/>
         </p:nvPicPr>
         <mc:AlternateContent xmlns:mc="http://schemas.openxmlformats.org/markup-compatibility/2006">
-          <mc:Choice xmlns="" xmlns:mv="urn:schemas-microsoft-com:mac:vml" xmlns:ma="http://schemas.microsoft.com/office/mac/drawingml/2008/main" Requires="ma">
+          <mc:Choice xmlns:ma="http://schemas.microsoft.com/office/mac/drawingml/2008/main" xmlns:mv="urn:schemas-microsoft-com:mac:vml" xmlns="" Requires="ma">
             <p:blipFill>
               <a:blip r:embed="rId3"/>
               <a:stretch>
@@ -1428,7 +1428,35 @@
                 <a:ea typeface="Open Sans" pitchFamily="34" charset="0"/>
                 <a:cs typeface="Open Sans" pitchFamily="34" charset="0"/>
               </a:rPr>
-              <a:t>© 2014 Tricentis GmbH. All rights reserved.</a:t>
+              <a:t>© </a:t>
+            </a:r>
+            <a:r>
+              <a:rPr lang="en-US" sz="800" dirty="0" smtClean="0">
+                <a:solidFill>
+                  <a:schemeClr val="tx1">
+                    <a:lumMod val="60000"/>
+                    <a:lumOff val="40000"/>
+                  </a:schemeClr>
+                </a:solidFill>
+                <a:latin typeface="Open Sans" pitchFamily="34" charset="0"/>
+                <a:ea typeface="Open Sans" pitchFamily="34" charset="0"/>
+                <a:cs typeface="Open Sans" pitchFamily="34" charset="0"/>
+              </a:rPr>
+              <a:t>2015 </a:t>
+            </a:r>
+            <a:r>
+              <a:rPr lang="en-US" sz="800" dirty="0" smtClean="0">
+                <a:solidFill>
+                  <a:schemeClr val="tx1">
+                    <a:lumMod val="60000"/>
+                    <a:lumOff val="40000"/>
+                  </a:schemeClr>
+                </a:solidFill>
+                <a:latin typeface="Open Sans" pitchFamily="34" charset="0"/>
+                <a:ea typeface="Open Sans" pitchFamily="34" charset="0"/>
+                <a:cs typeface="Open Sans" pitchFamily="34" charset="0"/>
+              </a:rPr>
+              <a:t>Tricentis GmbH. All rights reserved.</a:t>
             </a:r>
             <a:endParaRPr lang="en-US" sz="800" dirty="0">
               <a:solidFill>
@@ -7062,7 +7090,7 @@
           <p:nvPr userDrawn="1"/>
         </p:nvPicPr>
         <mc:AlternateContent xmlns:mc="http://schemas.openxmlformats.org/markup-compatibility/2006">
-          <mc:Choice xmlns="" xmlns:mv="urn:schemas-microsoft-com:mac:vml" xmlns:ma="http://schemas.microsoft.com/office/mac/drawingml/2008/main" Requires="ma">
+          <mc:Choice xmlns:ma="http://schemas.microsoft.com/office/mac/drawingml/2008/main" xmlns:mv="urn:schemas-microsoft-com:mac:vml" xmlns="" Requires="ma">
             <p:blipFill>
               <a:blip r:embed="rId3"/>
               <a:stretch>
@@ -8760,7 +8788,7 @@
           <p:nvPr userDrawn="1"/>
         </p:nvPicPr>
         <mc:AlternateContent xmlns:mc="http://schemas.openxmlformats.org/markup-compatibility/2006">
-          <mc:Choice xmlns="" xmlns:mv="urn:schemas-microsoft-com:mac:vml" xmlns:ma="http://schemas.microsoft.com/office/mac/drawingml/2008/main" Requires="ma">
+          <mc:Choice xmlns:ma="http://schemas.microsoft.com/office/mac/drawingml/2008/main" xmlns:mv="urn:schemas-microsoft-com:mac:vml" xmlns="" Requires="ma">
             <p:blipFill>
               <a:blip r:embed="rId3"/>
               <a:stretch>
@@ -8992,7 +9020,7 @@
           <p:nvPr userDrawn="1"/>
         </p:nvPicPr>
         <mc:AlternateContent xmlns:mc="http://schemas.openxmlformats.org/markup-compatibility/2006">
-          <mc:Choice xmlns="" xmlns:mv="urn:schemas-microsoft-com:mac:vml" xmlns:ma="http://schemas.microsoft.com/office/mac/drawingml/2008/main" Requires="ma">
+          <mc:Choice xmlns:ma="http://schemas.microsoft.com/office/mac/drawingml/2008/main" xmlns:mv="urn:schemas-microsoft-com:mac:vml" xmlns="" Requires="ma">
             <p:blipFill>
               <a:blip r:embed="rId3"/>
               <a:stretch>
@@ -9447,7 +9475,7 @@
           <p:nvPr userDrawn="1"/>
         </p:nvPicPr>
         <mc:AlternateContent xmlns:mc="http://schemas.openxmlformats.org/markup-compatibility/2006">
-          <mc:Choice xmlns="" xmlns:mv="urn:schemas-microsoft-com:mac:vml" xmlns:ma="http://schemas.microsoft.com/office/mac/drawingml/2008/main" Requires="ma">
+          <mc:Choice xmlns:ma="http://schemas.microsoft.com/office/mac/drawingml/2008/main" xmlns:mv="urn:schemas-microsoft-com:mac:vml" xmlns="" Requires="ma">
             <p:blipFill>
               <a:blip r:embed="rId3"/>
               <a:stretch>
@@ -9908,7 +9936,7 @@
           <p:nvPr userDrawn="1"/>
         </p:nvPicPr>
         <mc:AlternateContent xmlns:mc="http://schemas.openxmlformats.org/markup-compatibility/2006">
-          <mc:Choice xmlns="" xmlns:mv="urn:schemas-microsoft-com:mac:vml" xmlns:ma="http://schemas.microsoft.com/office/mac/drawingml/2008/main" Requires="ma">
+          <mc:Choice xmlns:ma="http://schemas.microsoft.com/office/mac/drawingml/2008/main" xmlns:mv="urn:schemas-microsoft-com:mac:vml" xmlns="" Requires="ma">
             <p:blipFill>
               <a:blip r:embed="rId3"/>
               <a:stretch>
@@ -11216,7 +11244,7 @@
           <p:nvPr/>
         </p:nvPicPr>
         <mc:AlternateContent xmlns:mc="http://schemas.openxmlformats.org/markup-compatibility/2006">
-          <mc:Choice xmlns="" xmlns:mv="urn:schemas-microsoft-com:mac:vml" xmlns:ma="http://schemas.microsoft.com/office/mac/drawingml/2008/main" Requires="ma">
+          <mc:Choice xmlns:ma="http://schemas.microsoft.com/office/mac/drawingml/2008/main" xmlns:mv="urn:schemas-microsoft-com:mac:vml" xmlns="" Requires="ma">
             <p:blipFill>
               <a:blip r:embed="rId44"/>
               <a:stretch>
@@ -11805,7 +11833,7 @@
           <a:p>
             <a:r>
               <a:rPr lang="en-GB" dirty="0" smtClean="0"/>
-              <a:t>Things are stored locally</a:t>
+              <a:t>Problem</a:t>
             </a:r>
             <a:endParaRPr lang="en-GB" dirty="0"/>
           </a:p>
@@ -11952,13 +11980,6 @@
                 </a:rPr>
                 <a:t>WS 1</a:t>
               </a:r>
-              <a:endParaRPr lang="de-AT" sz="2000" dirty="0" smtClean="0">
-                <a:solidFill>
-                  <a:schemeClr val="bg1"/>
-                </a:solidFill>
-                <a:latin typeface="Open Sans"/>
-                <a:cs typeface="Open Sans"/>
-              </a:endParaRPr>
             </a:p>
           </p:txBody>
         </p:sp>
@@ -12104,13 +12125,6 @@
                 </a:rPr>
                 <a:t>WS 2</a:t>
               </a:r>
-              <a:endParaRPr lang="de-AT" sz="2000" dirty="0" smtClean="0">
-                <a:solidFill>
-                  <a:schemeClr val="bg1"/>
-                </a:solidFill>
-                <a:latin typeface="Open Sans"/>
-                <a:cs typeface="Open Sans"/>
-              </a:endParaRPr>
             </a:p>
           </p:txBody>
         </p:sp>
@@ -12221,25 +12235,8 @@
                   <a:latin typeface="Open Sans"/>
                   <a:cs typeface="Open Sans"/>
                 </a:rPr>
-                <a:t>Use</a:t>
+                <a:t>User Settings</a:t>
               </a:r>
-              <a:r>
-                <a:rPr lang="de-AT" sz="2000" dirty="0" smtClean="0">
-                  <a:solidFill>
-                    <a:schemeClr val="tx2"/>
-                  </a:solidFill>
-                  <a:latin typeface="Open Sans"/>
-                  <a:cs typeface="Open Sans"/>
-                </a:rPr>
-                <a:t>r Settings</a:t>
-              </a:r>
-              <a:endParaRPr lang="de-AT" sz="2000" dirty="0" smtClean="0">
-                <a:solidFill>
-                  <a:schemeClr val="tx2"/>
-                </a:solidFill>
-                <a:latin typeface="Open Sans"/>
-                <a:cs typeface="Open Sans"/>
-              </a:endParaRPr>
             </a:p>
           </p:txBody>
         </p:sp>
@@ -12405,13 +12402,6 @@
                 </a:rPr>
                 <a:t> Utilities</a:t>
               </a:r>
-              <a:endParaRPr lang="de-AT" sz="2000" dirty="0" smtClean="0">
-                <a:solidFill>
-                  <a:schemeClr val="tx2"/>
-                </a:solidFill>
-                <a:latin typeface="Open Sans"/>
-                <a:cs typeface="Open Sans"/>
-              </a:endParaRPr>
             </a:p>
           </p:txBody>
         </p:sp>
@@ -12697,7 +12687,7 @@
           <a:p>
             <a:r>
               <a:rPr lang="en-GB" dirty="0" smtClean="0"/>
-              <a:t>Keep users in sync</a:t>
+              <a:t>Solution</a:t>
             </a:r>
             <a:endParaRPr lang="en-GB" dirty="0"/>
           </a:p>
@@ -12795,10 +12785,6 @@
                 </a:rPr>
                 <a:t> 1</a:t>
               </a:r>
-              <a:endParaRPr lang="de-AT" sz="2000" dirty="0" smtClean="0">
-                <a:latin typeface="Open Sans"/>
-                <a:cs typeface="Open Sans"/>
-              </a:endParaRPr>
             </a:p>
           </p:txBody>
         </p:sp>
@@ -12895,10 +12881,6 @@
                 </a:rPr>
                 <a:t> 2</a:t>
               </a:r>
-              <a:endParaRPr lang="de-AT" sz="2000" dirty="0" smtClean="0">
-                <a:latin typeface="Open Sans"/>
-                <a:cs typeface="Open Sans"/>
-              </a:endParaRPr>
             </a:p>
           </p:txBody>
         </p:sp>
@@ -12995,10 +12977,6 @@
                 </a:rPr>
                 <a:t> 3</a:t>
               </a:r>
-              <a:endParaRPr lang="de-AT" sz="2000" dirty="0" smtClean="0">
-                <a:latin typeface="Open Sans"/>
-                <a:cs typeface="Open Sans"/>
-              </a:endParaRPr>
             </a:p>
           </p:txBody>
         </p:sp>
@@ -13032,10 +13010,6 @@
               </a:rPr>
               <a:t>Tosca Account Server</a:t>
             </a:r>
-            <a:endParaRPr lang="en-GB" sz="2800" dirty="0" smtClean="0">
-              <a:latin typeface="Open Sans"/>
-              <a:cs typeface="Open Sans"/>
-            </a:endParaRPr>
           </a:p>
         </p:txBody>
       </p:sp>
@@ -13160,11 +13134,11 @@
   <p:clrMapOvr>
     <a:masterClrMapping/>
   </p:clrMapOvr>
-  <mc:AlternateContent xmlns:mc="http://schemas.openxmlformats.org/markup-compatibility/2006">
-    <mc:Choice xmlns:p14="http://schemas.microsoft.com/office/powerpoint/2010/main" Requires="p14">
+  <mc:AlternateContent xmlns:mc="http://schemas.openxmlformats.org/markup-compatibility/2006" xmlns:p14="http://schemas.microsoft.com/office/powerpoint/2010/main">
+    <mc:Choice Requires="p14">
       <p:transition spd="slow" p14:dur="2000"/>
     </mc:Choice>
-    <mc:Fallback>
+    <mc:Fallback xmlns="">
       <p:transition spd="slow"/>
     </mc:Fallback>
   </mc:AlternateContent>
@@ -13227,13 +13201,6 @@
               </a:rPr>
               <a:t>Demo</a:t>
             </a:r>
-            <a:endParaRPr lang="en-GB" sz="7200" dirty="0" smtClean="0">
-              <a:solidFill>
-                <a:schemeClr val="tx2"/>
-              </a:solidFill>
-              <a:latin typeface="Open Sans"/>
-              <a:cs typeface="Open Sans"/>
-            </a:endParaRPr>
           </a:p>
         </p:txBody>
       </p:sp>
@@ -13247,11 +13214,11 @@
   <p:clrMapOvr>
     <a:masterClrMapping/>
   </p:clrMapOvr>
-  <mc:AlternateContent xmlns:mc="http://schemas.openxmlformats.org/markup-compatibility/2006">
-    <mc:Choice xmlns:p14="http://schemas.microsoft.com/office/powerpoint/2010/main" Requires="p14">
+  <mc:AlternateContent xmlns:mc="http://schemas.openxmlformats.org/markup-compatibility/2006" xmlns:p14="http://schemas.microsoft.com/office/powerpoint/2010/main">
+    <mc:Choice Requires="p14">
       <p:transition spd="slow" p14:dur="2000"/>
     </mc:Choice>
-    <mc:Fallback>
+    <mc:Fallback xmlns="">
       <p:transition spd="slow"/>
     </mc:Fallback>
   </mc:AlternateContent>
